--- a/Susan/HW3_WebCrawling_UBike/2020 SDA I NCTU_0856706_HW3_Task1.pptx
+++ b/Susan/HW3_WebCrawling_UBike/2020 SDA I NCTU_0856706_HW3_Task1.pptx
@@ -689,7 +689,7 @@
           </a:ln>
           <a:extLst>
             <a:ext uri="{C572A759-6A51-4108-AA02-DFA0A04FC94B}">
-              <ma14:wrappingTextBoxFlag xmlns="" xmlns:m="http://schemas.openxmlformats.org/officeDocument/2006/math" xmlns:a14="http://schemas.microsoft.com/office/drawing/2010/main" xmlns:ma14="http://schemas.microsoft.com/office/mac/drawingml/2011/main" val="1"/>
+              <ma14:wrappingTextBoxFlag xmlns:ma14="http://schemas.microsoft.com/office/mac/drawingml/2011/main" xmlns:a14="http://schemas.microsoft.com/office/drawing/2010/main" xmlns:m="http://schemas.openxmlformats.org/officeDocument/2006/math" xmlns="" val="1"/>
             </a:ext>
           </a:extLst>
         </p:spPr>
@@ -1309,7 +1309,7 @@
           </a:ln>
           <a:extLst>
             <a:ext uri="{C572A759-6A51-4108-AA02-DFA0A04FC94B}">
-              <ma14:wrappingTextBoxFlag xmlns="" xmlns:m="http://schemas.openxmlformats.org/officeDocument/2006/math" xmlns:a14="http://schemas.microsoft.com/office/drawing/2010/main" xmlns:ma14="http://schemas.microsoft.com/office/mac/drawingml/2011/main" val="1"/>
+              <ma14:wrappingTextBoxFlag xmlns:ma14="http://schemas.microsoft.com/office/mac/drawingml/2011/main" xmlns:a14="http://schemas.microsoft.com/office/drawing/2010/main" xmlns:m="http://schemas.openxmlformats.org/officeDocument/2006/math" xmlns="" val="1"/>
             </a:ext>
           </a:extLst>
         </p:spPr>
@@ -1360,7 +1360,7 @@
           </a:ln>
           <a:extLst>
             <a:ext uri="{C572A759-6A51-4108-AA02-DFA0A04FC94B}">
-              <ma14:wrappingTextBoxFlag xmlns="" xmlns:m="http://schemas.openxmlformats.org/officeDocument/2006/math" xmlns:a14="http://schemas.microsoft.com/office/drawing/2010/main" xmlns:ma14="http://schemas.microsoft.com/office/mac/drawingml/2011/main" val="1"/>
+              <ma14:wrappingTextBoxFlag xmlns:ma14="http://schemas.microsoft.com/office/mac/drawingml/2011/main" xmlns:a14="http://schemas.microsoft.com/office/drawing/2010/main" xmlns:m="http://schemas.openxmlformats.org/officeDocument/2006/math" xmlns="" val="1"/>
             </a:ext>
           </a:extLst>
         </p:spPr>
@@ -1399,7 +1399,7 @@
           </a:ln>
           <a:extLst>
             <a:ext uri="{C572A759-6A51-4108-AA02-DFA0A04FC94B}">
-              <ma14:wrappingTextBoxFlag xmlns="" xmlns:m="http://schemas.openxmlformats.org/officeDocument/2006/math" xmlns:a14="http://schemas.microsoft.com/office/drawing/2010/main" xmlns:ma14="http://schemas.microsoft.com/office/mac/drawingml/2011/main" val="1"/>
+              <ma14:wrappingTextBoxFlag xmlns:ma14="http://schemas.microsoft.com/office/mac/drawingml/2011/main" xmlns:a14="http://schemas.microsoft.com/office/drawing/2010/main" xmlns:m="http://schemas.openxmlformats.org/officeDocument/2006/math" xmlns="" val="1"/>
             </a:ext>
           </a:extLst>
         </p:spPr>
@@ -8961,16 +8961,22 @@
           </a:prstGeom>
         </p:spPr>
         <p:txBody>
-          <a:bodyPr/>
+          <a:bodyPr>
+            <a:normAutofit/>
+          </a:bodyPr>
           <a:lstStyle/>
           <a:p>
             <a:r>
-              <a:rPr lang="en-US" altLang="zh-TW" dirty="0"/>
-              <a:t>Web Crawling - </a:t>
+              <a:rPr lang="en-US" altLang="zh-TW" dirty="0" smtClean="0"/>
+              <a:t>A Web Crawler for</a:t>
             </a:r>
             <a:r>
-              <a:rPr lang="en-US" altLang="zh-TW" dirty="0" err="1"/>
-              <a:t>UBike</a:t>
+              <a:rPr lang="en-US" altLang="zh-TW" dirty="0" smtClean="0"/>
+              <a:t> </a:t>
+            </a:r>
+            <a:r>
+              <a:rPr lang="en-US" altLang="zh-TW" dirty="0" smtClean="0"/>
+              <a:t>UBike Dataset</a:t>
             </a:r>
             <a:endParaRPr dirty="0"/>
           </a:p>
@@ -8996,7 +9002,7 @@
           </a:prstGeom>
           <a:extLst>
             <a:ext uri="{C572A759-6A51-4108-AA02-DFA0A04FC94B}">
-              <ma14:wrappingTextBoxFlag xmlns="" xmlns:m="http://schemas.openxmlformats.org/officeDocument/2006/math" xmlns:a14="http://schemas.microsoft.com/office/drawing/2010/main" xmlns:ma14="http://schemas.microsoft.com/office/mac/drawingml/2011/main" val="1"/>
+              <ma14:wrappingTextBoxFlag xmlns:ma14="http://schemas.microsoft.com/office/mac/drawingml/2011/main" xmlns:a14="http://schemas.microsoft.com/office/drawing/2010/main" xmlns:m="http://schemas.openxmlformats.org/officeDocument/2006/math" xmlns="" val="1"/>
             </a:ext>
           </a:extLst>
         </p:spPr>
@@ -9032,7 +9038,7 @@
           </a:ln>
           <a:extLst>
             <a:ext uri="{C572A759-6A51-4108-AA02-DFA0A04FC94B}">
-              <ma14:wrappingTextBoxFlag xmlns="" xmlns:m="http://schemas.openxmlformats.org/officeDocument/2006/math" xmlns:a14="http://schemas.microsoft.com/office/drawing/2010/main" xmlns:ma14="http://schemas.microsoft.com/office/mac/drawingml/2011/main" val="1"/>
+              <ma14:wrappingTextBoxFlag xmlns:ma14="http://schemas.microsoft.com/office/mac/drawingml/2011/main" xmlns:a14="http://schemas.microsoft.com/office/drawing/2010/main" xmlns:m="http://schemas.openxmlformats.org/officeDocument/2006/math" xmlns="" val="1"/>
             </a:ext>
           </a:extLst>
         </p:spPr>
@@ -9077,6 +9083,13 @@
     <a:masterClrMapping/>
   </p:clrMapOvr>
   <p:transition spd="med"/>
+  <p:timing>
+    <p:tnLst>
+      <p:par>
+        <p:cTn id="1" dur="indefinite" restart="never" nodeType="tmRoot"/>
+      </p:par>
+    </p:tnLst>
+  </p:timing>
 </p:sld>
 </file>
 
@@ -9113,7 +9126,7 @@
           </a:prstGeom>
           <a:extLst>
             <a:ext uri="{C572A759-6A51-4108-AA02-DFA0A04FC94B}">
-              <ma14:wrappingTextBoxFlag xmlns="" xmlns:m="http://schemas.openxmlformats.org/officeDocument/2006/math" xmlns:a14="http://schemas.microsoft.com/office/drawing/2010/main" xmlns:ma14="http://schemas.microsoft.com/office/mac/drawingml/2011/main" val="1"/>
+              <ma14:wrappingTextBoxFlag xmlns:ma14="http://schemas.microsoft.com/office/mac/drawingml/2011/main" xmlns:a14="http://schemas.microsoft.com/office/drawing/2010/main" xmlns:m="http://schemas.openxmlformats.org/officeDocument/2006/math" xmlns="" val="1"/>
             </a:ext>
           </a:extLst>
         </p:spPr>
@@ -9151,15 +9164,11 @@
           <a:p>
             <a:r>
               <a:rPr lang="en-US" altLang="zh-TW" sz="3200" dirty="0"/>
-              <a:t>Web Crawling (for </a:t>
+              <a:t>Web </a:t>
             </a:r>
             <a:r>
-              <a:rPr lang="en-US" altLang="zh-TW" sz="3200" dirty="0" err="1"/>
-              <a:t>Ubike</a:t>
-            </a:r>
-            <a:r>
-              <a:rPr lang="en-US" altLang="zh-TW" sz="3200" dirty="0"/>
-              <a:t>)</a:t>
+              <a:rPr lang="en-US" altLang="zh-TW" sz="3200" dirty="0" smtClean="0"/>
+              <a:t>Crawling</a:t>
             </a:r>
             <a:endParaRPr dirty="0"/>
           </a:p>
@@ -9202,16 +9211,16 @@
               </a:defRPr>
             </a:pPr>
             <a:r>
-              <a:rPr lang="en-US" altLang="zh-TW" dirty="0"/>
-              <a:t>For better visualization on the output data, using pandas to read the </a:t>
+              <a:rPr lang="en-US" altLang="zh-TW" dirty="0" smtClean="0"/>
+              <a:t>Use </a:t>
             </a:r>
             <a:r>
-              <a:rPr lang="en-US" altLang="zh-TW" dirty="0" err="1"/>
-              <a:t>json</a:t>
+              <a:rPr lang="en-US" altLang="zh-TW" dirty="0" smtClean="0"/>
+              <a:t>pandas DataFrame </a:t>
             </a:r>
             <a:r>
-              <a:rPr lang="en-US" altLang="zh-TW" dirty="0"/>
-              <a:t> file</a:t>
+              <a:rPr lang="en-US" altLang="zh-TW" dirty="0" smtClean="0"/>
+              <a:t>to visualize data crawled from website</a:t>
             </a:r>
             <a:endParaRPr lang="en-US" altLang="zh-TW" dirty="0" smtClean="0"/>
           </a:p>
@@ -9424,6 +9433,13 @@
     <a:masterClrMapping/>
   </p:clrMapOvr>
   <p:transition spd="med"/>
+  <p:timing>
+    <p:tnLst>
+      <p:par>
+        <p:cTn id="1" dur="indefinite" restart="never" nodeType="tmRoot"/>
+      </p:par>
+    </p:tnLst>
+  </p:timing>
 </p:sld>
 </file>
 
@@ -9460,7 +9476,7 @@
           </a:prstGeom>
           <a:extLst>
             <a:ext uri="{C572A759-6A51-4108-AA02-DFA0A04FC94B}">
-              <ma14:wrappingTextBoxFlag xmlns="" xmlns:m="http://schemas.openxmlformats.org/officeDocument/2006/math" xmlns:a14="http://schemas.microsoft.com/office/drawing/2010/main" xmlns:ma14="http://schemas.microsoft.com/office/mac/drawingml/2011/main" val="1"/>
+              <ma14:wrappingTextBoxFlag xmlns:ma14="http://schemas.microsoft.com/office/mac/drawingml/2011/main" xmlns:a14="http://schemas.microsoft.com/office/drawing/2010/main" xmlns:m="http://schemas.openxmlformats.org/officeDocument/2006/math" xmlns="" val="1"/>
             </a:ext>
           </a:extLst>
         </p:spPr>
@@ -9498,7 +9514,15 @@
           <a:p>
             <a:r>
               <a:rPr lang="en-US" altLang="zh-TW" sz="3200" dirty="0"/>
-              <a:t>Scatter Plot (1)</a:t>
+              <a:t>Scatter </a:t>
+            </a:r>
+            <a:r>
+              <a:rPr lang="en-US" altLang="zh-TW" sz="3200" dirty="0" smtClean="0"/>
+              <a:t>Plots </a:t>
+            </a:r>
+            <a:r>
+              <a:rPr lang="en-US" altLang="zh-TW" sz="3200" dirty="0"/>
+              <a:t>(1)</a:t>
             </a:r>
             <a:endParaRPr dirty="0"/>
           </a:p>
@@ -9541,16 +9565,24 @@
               </a:defRPr>
             </a:pPr>
             <a:r>
-              <a:rPr lang="en-US" altLang="zh-TW" dirty="0"/>
-              <a:t>Show GEO information to see which area riding </a:t>
+              <a:rPr lang="en-US" altLang="zh-TW" dirty="0" smtClean="0"/>
+              <a:t>Use </a:t>
             </a:r>
             <a:r>
-              <a:rPr lang="en-US" altLang="zh-TW" dirty="0" err="1"/>
-              <a:t>UBike</a:t>
+              <a:rPr lang="en-US" altLang="zh-TW" dirty="0" err="1" smtClean="0"/>
+              <a:t>Basemap</a:t>
             </a:r>
             <a:r>
-              <a:rPr lang="en-US" altLang="zh-TW" dirty="0"/>
-              <a:t> more</a:t>
+              <a:rPr lang="en-US" altLang="zh-TW" dirty="0" smtClean="0"/>
+              <a:t> toolkit to show </a:t>
+            </a:r>
+            <a:r>
+              <a:rPr lang="en-US" altLang="zh-TW" dirty="0" err="1" smtClean="0"/>
+              <a:t>GeoInfo</a:t>
+            </a:r>
+            <a:r>
+              <a:rPr lang="en-US" altLang="zh-TW" dirty="0" smtClean="0"/>
+              <a:t> map</a:t>
             </a:r>
             <a:endParaRPr lang="en-US" altLang="zh-TW" dirty="0" smtClean="0"/>
           </a:p>
@@ -9792,6 +9824,13 @@
     <a:masterClrMapping/>
   </p:clrMapOvr>
   <p:transition spd="med"/>
+  <p:timing>
+    <p:tnLst>
+      <p:par>
+        <p:cTn id="1" dur="indefinite" restart="never" nodeType="tmRoot"/>
+      </p:par>
+    </p:tnLst>
+  </p:timing>
 </p:sld>
 </file>
 
@@ -9828,7 +9867,7 @@
           </a:prstGeom>
           <a:extLst>
             <a:ext uri="{C572A759-6A51-4108-AA02-DFA0A04FC94B}">
-              <ma14:wrappingTextBoxFlag xmlns="" xmlns:m="http://schemas.openxmlformats.org/officeDocument/2006/math" xmlns:a14="http://schemas.microsoft.com/office/drawing/2010/main" xmlns:ma14="http://schemas.microsoft.com/office/mac/drawingml/2011/main" val="1"/>
+              <ma14:wrappingTextBoxFlag xmlns:ma14="http://schemas.microsoft.com/office/mac/drawingml/2011/main" xmlns:a14="http://schemas.microsoft.com/office/drawing/2010/main" xmlns:m="http://schemas.openxmlformats.org/officeDocument/2006/math" xmlns="" val="1"/>
             </a:ext>
           </a:extLst>
         </p:spPr>
@@ -9866,7 +9905,11 @@
           <a:p>
             <a:r>
               <a:rPr lang="en-US" altLang="zh-TW" sz="3200" dirty="0"/>
-              <a:t>Scatter Plot </a:t>
+              <a:t>Scatter </a:t>
+            </a:r>
+            <a:r>
+              <a:rPr lang="en-US" altLang="zh-TW" sz="3200" dirty="0" smtClean="0"/>
+              <a:t>Plots </a:t>
             </a:r>
             <a:r>
               <a:rPr lang="en-US" altLang="zh-TW" sz="3200" dirty="0" smtClean="0"/>
@@ -9914,7 +9957,15 @@
             </a:pPr>
             <a:r>
               <a:rPr lang="en-US" altLang="zh-TW" dirty="0"/>
-              <a:t>Read more open data </a:t>
+              <a:t>Read </a:t>
+            </a:r>
+            <a:r>
+              <a:rPr lang="en-US" altLang="zh-TW" dirty="0" smtClean="0"/>
+              <a:t>another open </a:t>
+            </a:r>
+            <a:r>
+              <a:rPr lang="en-US" altLang="zh-TW" dirty="0"/>
+              <a:t>data </a:t>
             </a:r>
             <a:r>
               <a:rPr lang="en-US" altLang="zh-TW" dirty="0" smtClean="0"/>
@@ -9922,7 +9973,7 @@
             </a:r>
           </a:p>
           <a:p>
-            <a:pPr marL="294893" lvl="1" indent="-294893" algn="just" defTabSz="502412">
+            <a:pPr lvl="1" indent="0" algn="just" defTabSz="502412">
               <a:lnSpc>
                 <a:spcPct val="150000"/>
               </a:lnSpc>
@@ -9930,7 +9981,6 @@
                 <a:srgbClr val="00376C"/>
               </a:buClr>
               <a:buSzPct val="100000"/>
-              <a:buChar char="⊡"/>
               <a:defRPr sz="2580">
                 <a:solidFill>
                   <a:srgbClr val="5A5F5E"/>
@@ -9938,8 +9988,12 @@
               </a:defRPr>
             </a:pPr>
             <a:r>
+              <a:rPr lang="en-US" altLang="zh-TW" dirty="0" smtClean="0"/>
+              <a:t>    https</a:t>
+            </a:r>
+            <a:r>
               <a:rPr lang="en-US" altLang="zh-TW" dirty="0"/>
-              <a:t>https://tcgbusfs.blob.core.windows.net/blobyoubike/YouBikeTP.json</a:t>
+              <a:t>://tcgbusfs.blob.core.windows.net/blobyoubike/YouBikeTP.json</a:t>
             </a:r>
             <a:endParaRPr lang="en-US" altLang="zh-TW" dirty="0" smtClean="0"/>
           </a:p>
@@ -10157,6 +10211,13 @@
     <a:masterClrMapping/>
   </p:clrMapOvr>
   <p:transition spd="med"/>
+  <p:timing>
+    <p:tnLst>
+      <p:par>
+        <p:cTn id="1" dur="indefinite" restart="never" nodeType="tmRoot"/>
+      </p:par>
+    </p:tnLst>
+  </p:timing>
 </p:sld>
 </file>
 
